--- a/4-dashboarding/images/layout_and_widgets.pptx
+++ b/4-dashboarding/images/layout_and_widgets.pptx
@@ -107,6 +107,11 @@
       </a:defRPr>
     </a:lvl9pPr>
   </p:defaultTextStyle>
+  <p:extLst>
+    <p:ext uri="{EFAFB233-063F-42B5-8137-9DF3F51BA10A}">
+      <p15:sldGuideLst xmlns:p15="http://schemas.microsoft.com/office/powerpoint/2012/main"/>
+    </p:ext>
+  </p:extLst>
 </p:presentation>
 </file>
 
@@ -259,7 +264,7 @@
           <a:p>
             <a:fld id="{83BB8B43-B3C3-6C4B-99CF-05557AA7B268}" type="datetimeFigureOut">
               <a:rPr lang="en-PT" smtClean="0"/>
-              <a:t>18/05/2024</a:t>
+              <a:t>20/05/2024</a:t>
             </a:fld>
             <a:endParaRPr lang="en-PT"/>
           </a:p>
@@ -459,7 +464,7 @@
           <a:p>
             <a:fld id="{83BB8B43-B3C3-6C4B-99CF-05557AA7B268}" type="datetimeFigureOut">
               <a:rPr lang="en-PT" smtClean="0"/>
-              <a:t>18/05/2024</a:t>
+              <a:t>20/05/2024</a:t>
             </a:fld>
             <a:endParaRPr lang="en-PT"/>
           </a:p>
@@ -669,7 +674,7 @@
           <a:p>
             <a:fld id="{83BB8B43-B3C3-6C4B-99CF-05557AA7B268}" type="datetimeFigureOut">
               <a:rPr lang="en-PT" smtClean="0"/>
-              <a:t>18/05/2024</a:t>
+              <a:t>20/05/2024</a:t>
             </a:fld>
             <a:endParaRPr lang="en-PT"/>
           </a:p>
@@ -869,7 +874,7 @@
           <a:p>
             <a:fld id="{83BB8B43-B3C3-6C4B-99CF-05557AA7B268}" type="datetimeFigureOut">
               <a:rPr lang="en-PT" smtClean="0"/>
-              <a:t>18/05/2024</a:t>
+              <a:t>20/05/2024</a:t>
             </a:fld>
             <a:endParaRPr lang="en-PT"/>
           </a:p>
@@ -1145,7 +1150,7 @@
           <a:p>
             <a:fld id="{83BB8B43-B3C3-6C4B-99CF-05557AA7B268}" type="datetimeFigureOut">
               <a:rPr lang="en-PT" smtClean="0"/>
-              <a:t>18/05/2024</a:t>
+              <a:t>20/05/2024</a:t>
             </a:fld>
             <a:endParaRPr lang="en-PT"/>
           </a:p>
@@ -1413,7 +1418,7 @@
           <a:p>
             <a:fld id="{83BB8B43-B3C3-6C4B-99CF-05557AA7B268}" type="datetimeFigureOut">
               <a:rPr lang="en-PT" smtClean="0"/>
-              <a:t>18/05/2024</a:t>
+              <a:t>20/05/2024</a:t>
             </a:fld>
             <a:endParaRPr lang="en-PT"/>
           </a:p>
@@ -1828,7 +1833,7 @@
           <a:p>
             <a:fld id="{83BB8B43-B3C3-6C4B-99CF-05557AA7B268}" type="datetimeFigureOut">
               <a:rPr lang="en-PT" smtClean="0"/>
-              <a:t>18/05/2024</a:t>
+              <a:t>20/05/2024</a:t>
             </a:fld>
             <a:endParaRPr lang="en-PT"/>
           </a:p>
@@ -1970,7 +1975,7 @@
           <a:p>
             <a:fld id="{83BB8B43-B3C3-6C4B-99CF-05557AA7B268}" type="datetimeFigureOut">
               <a:rPr lang="en-PT" smtClean="0"/>
-              <a:t>18/05/2024</a:t>
+              <a:t>20/05/2024</a:t>
             </a:fld>
             <a:endParaRPr lang="en-PT"/>
           </a:p>
@@ -2083,7 +2088,7 @@
           <a:p>
             <a:fld id="{83BB8B43-B3C3-6C4B-99CF-05557AA7B268}" type="datetimeFigureOut">
               <a:rPr lang="en-PT" smtClean="0"/>
-              <a:t>18/05/2024</a:t>
+              <a:t>20/05/2024</a:t>
             </a:fld>
             <a:endParaRPr lang="en-PT"/>
           </a:p>
@@ -2396,7 +2401,7 @@
           <a:p>
             <a:fld id="{83BB8B43-B3C3-6C4B-99CF-05557AA7B268}" type="datetimeFigureOut">
               <a:rPr lang="en-PT" smtClean="0"/>
-              <a:t>18/05/2024</a:t>
+              <a:t>20/05/2024</a:t>
             </a:fld>
             <a:endParaRPr lang="en-PT"/>
           </a:p>
@@ -2685,7 +2690,7 @@
           <a:p>
             <a:fld id="{83BB8B43-B3C3-6C4B-99CF-05557AA7B268}" type="datetimeFigureOut">
               <a:rPr lang="en-PT" smtClean="0"/>
-              <a:t>18/05/2024</a:t>
+              <a:t>20/05/2024</a:t>
             </a:fld>
             <a:endParaRPr lang="en-PT"/>
           </a:p>
@@ -2928,7 +2933,7 @@
           <a:p>
             <a:fld id="{83BB8B43-B3C3-6C4B-99CF-05557AA7B268}" type="datetimeFigureOut">
               <a:rPr lang="en-PT" smtClean="0"/>
-              <a:t>18/05/2024</a:t>
+              <a:t>20/05/2024</a:t>
             </a:fld>
             <a:endParaRPr lang="en-PT"/>
           </a:p>
@@ -3418,7 +3423,7 @@
         </p:nvSpPr>
         <p:spPr>
           <a:xfrm>
-            <a:off x="5478328" y="5903843"/>
+            <a:off x="5485822" y="5329089"/>
             <a:ext cx="2685011" cy="661322"/>
           </a:xfrm>
           <a:prstGeom prst="rect">
@@ -3590,7 +3595,7 @@
         </p:nvSpPr>
         <p:spPr>
           <a:xfrm>
-            <a:off x="5478328" y="5140598"/>
+            <a:off x="9065255" y="5573182"/>
             <a:ext cx="2685011" cy="661322"/>
           </a:xfrm>
           <a:prstGeom prst="rect">
@@ -3894,10 +3899,648 @@
       </p:cxnSp>
       <p:sp>
         <p:nvSpPr>
-          <p:cNvPr id="19" name="Rectangle 18">
-            <a:extLst>
-              <a:ext uri="{FF2B5EF4-FFF2-40B4-BE49-F238E27FC236}">
-                <a16:creationId xmlns:a16="http://schemas.microsoft.com/office/drawing/2014/main" id="{FAA4028D-4B23-9AA9-9B52-455EB07E8553}"/>
+          <p:cNvPr id="22" name="Rectangle 21">
+            <a:extLst>
+              <a:ext uri="{FF2B5EF4-FFF2-40B4-BE49-F238E27FC236}">
+                <a16:creationId xmlns:a16="http://schemas.microsoft.com/office/drawing/2014/main" id="{B1F1EE83-3D26-5BFB-7F4E-866D985DEF0A}"/>
+              </a:ext>
+            </a:extLst>
+          </p:cNvPr>
+          <p:cNvSpPr/>
+          <p:nvPr/>
+        </p:nvSpPr>
+        <p:spPr>
+          <a:xfrm>
+            <a:off x="9054565" y="50662"/>
+            <a:ext cx="2685011" cy="661322"/>
+          </a:xfrm>
+          <a:prstGeom prst="rect">
+            <a:avLst/>
+          </a:prstGeom>
+        </p:spPr>
+        <p:style>
+          <a:lnRef idx="2">
+            <a:schemeClr val="accent1">
+              <a:shade val="15000"/>
+            </a:schemeClr>
+          </a:lnRef>
+          <a:fillRef idx="1">
+            <a:schemeClr val="accent1"/>
+          </a:fillRef>
+          <a:effectRef idx="0">
+            <a:schemeClr val="accent1"/>
+          </a:effectRef>
+          <a:fontRef idx="minor">
+            <a:schemeClr val="lt1"/>
+          </a:fontRef>
+        </p:style>
+        <p:txBody>
+          <a:bodyPr rtlCol="0" anchor="ctr"/>
+          <a:lstStyle/>
+          <a:p>
+            <a:pPr algn="ctr"/>
+            <a:r>
+              <a:rPr lang="en-GB" sz="2000" noProof="1"/>
+              <a:t>widgets.TextInput</a:t>
+            </a:r>
+          </a:p>
+          <a:p>
+            <a:pPr algn="ctr"/>
+            <a:r>
+              <a:rPr lang="en-GB" sz="1600" noProof="1"/>
+              <a:t>filter_text_intput</a:t>
+            </a:r>
+            <a:endParaRPr lang="en-PT" sz="1600" noProof="1"/>
+          </a:p>
+        </p:txBody>
+      </p:sp>
+      <p:sp>
+        <p:nvSpPr>
+          <p:cNvPr id="23" name="Rectangle 22">
+            <a:extLst>
+              <a:ext uri="{FF2B5EF4-FFF2-40B4-BE49-F238E27FC236}">
+                <a16:creationId xmlns:a16="http://schemas.microsoft.com/office/drawing/2014/main" id="{4B57A0BF-693A-115D-A011-380D26A0E68C}"/>
+              </a:ext>
+            </a:extLst>
+          </p:cNvPr>
+          <p:cNvSpPr/>
+          <p:nvPr/>
+        </p:nvSpPr>
+        <p:spPr>
+          <a:xfrm>
+            <a:off x="9054565" y="800733"/>
+            <a:ext cx="2685011" cy="661322"/>
+          </a:xfrm>
+          <a:prstGeom prst="rect">
+            <a:avLst/>
+          </a:prstGeom>
+        </p:spPr>
+        <p:style>
+          <a:lnRef idx="2">
+            <a:schemeClr val="accent1">
+              <a:shade val="15000"/>
+            </a:schemeClr>
+          </a:lnRef>
+          <a:fillRef idx="1">
+            <a:schemeClr val="accent1"/>
+          </a:fillRef>
+          <a:effectRef idx="0">
+            <a:schemeClr val="accent1"/>
+          </a:effectRef>
+          <a:fontRef idx="minor">
+            <a:schemeClr val="lt1"/>
+          </a:fontRef>
+        </p:style>
+        <p:txBody>
+          <a:bodyPr rtlCol="0" anchor="ctr"/>
+          <a:lstStyle/>
+          <a:p>
+            <a:pPr algn="ctr"/>
+            <a:r>
+              <a:rPr lang="en-GB" sz="2000" noProof="1"/>
+              <a:t>widgets.Button</a:t>
+            </a:r>
+          </a:p>
+          <a:p>
+            <a:pPr algn="ctr"/>
+            <a:r>
+              <a:rPr lang="en-GB" sz="1600" noProof="1"/>
+              <a:t>filter_button</a:t>
+            </a:r>
+            <a:endParaRPr lang="en-PT" sz="1600" noProof="1"/>
+          </a:p>
+        </p:txBody>
+      </p:sp>
+      <p:cxnSp>
+        <p:nvCxnSpPr>
+          <p:cNvPr id="38" name="Elbow Connector 37">
+            <a:extLst>
+              <a:ext uri="{FF2B5EF4-FFF2-40B4-BE49-F238E27FC236}">
+                <a16:creationId xmlns:a16="http://schemas.microsoft.com/office/drawing/2014/main" id="{5328C4C9-20AF-6628-C624-A6FB5DC3F327}"/>
+              </a:ext>
+            </a:extLst>
+          </p:cNvPr>
+          <p:cNvCxnSpPr>
+            <a:cxnSpLocks/>
+            <a:stCxn id="6" idx="3"/>
+          </p:cNvCxnSpPr>
+          <p:nvPr/>
+        </p:nvCxnSpPr>
+        <p:spPr>
+          <a:xfrm flipV="1">
+            <a:off x="4577646" y="769814"/>
+            <a:ext cx="4037848" cy="760826"/>
+          </a:xfrm>
+          <a:prstGeom prst="bentConnector3">
+            <a:avLst>
+              <a:gd name="adj1" fmla="val 50000"/>
+            </a:avLst>
+          </a:prstGeom>
+          <a:ln>
+            <a:tailEnd type="triangle"/>
+          </a:ln>
+        </p:spPr>
+        <p:style>
+          <a:lnRef idx="2">
+            <a:schemeClr val="accent1"/>
+          </a:lnRef>
+          <a:fillRef idx="0">
+            <a:schemeClr val="accent1"/>
+          </a:fillRef>
+          <a:effectRef idx="1">
+            <a:schemeClr val="accent1"/>
+          </a:effectRef>
+          <a:fontRef idx="minor">
+            <a:schemeClr val="tx1"/>
+          </a:fontRef>
+        </p:style>
+      </p:cxnSp>
+      <p:sp>
+        <p:nvSpPr>
+          <p:cNvPr id="44" name="Rectangle 43">
+            <a:extLst>
+              <a:ext uri="{FF2B5EF4-FFF2-40B4-BE49-F238E27FC236}">
+                <a16:creationId xmlns:a16="http://schemas.microsoft.com/office/drawing/2014/main" id="{36C0FAA9-AAA4-1409-D6EB-862A529F141A}"/>
+              </a:ext>
+            </a:extLst>
+          </p:cNvPr>
+          <p:cNvSpPr/>
+          <p:nvPr/>
+        </p:nvSpPr>
+        <p:spPr>
+          <a:xfrm>
+            <a:off x="9054565" y="1550804"/>
+            <a:ext cx="2685011" cy="661322"/>
+          </a:xfrm>
+          <a:prstGeom prst="rect">
+            <a:avLst/>
+          </a:prstGeom>
+        </p:spPr>
+        <p:style>
+          <a:lnRef idx="2">
+            <a:schemeClr val="accent1">
+              <a:shade val="15000"/>
+            </a:schemeClr>
+          </a:lnRef>
+          <a:fillRef idx="1">
+            <a:schemeClr val="accent1"/>
+          </a:fillRef>
+          <a:effectRef idx="0">
+            <a:schemeClr val="accent1"/>
+          </a:effectRef>
+          <a:fontRef idx="minor">
+            <a:schemeClr val="lt1"/>
+          </a:fontRef>
+        </p:style>
+        <p:txBody>
+          <a:bodyPr rtlCol="0" anchor="ctr"/>
+          <a:lstStyle/>
+          <a:p>
+            <a:pPr algn="ctr"/>
+            <a:r>
+              <a:rPr lang="en-GB" sz="2000" noProof="1"/>
+              <a:t>widgets.MultiSelect</a:t>
+            </a:r>
+          </a:p>
+          <a:p>
+            <a:pPr algn="ctr"/>
+            <a:r>
+              <a:rPr lang="en-GB" sz="1600" noProof="1"/>
+              <a:t>filter_sex</a:t>
+            </a:r>
+            <a:endParaRPr lang="en-PT" sz="1600" noProof="1"/>
+          </a:p>
+        </p:txBody>
+      </p:sp>
+      <p:cxnSp>
+        <p:nvCxnSpPr>
+          <p:cNvPr id="41" name="Elbow Connector 40">
+            <a:extLst>
+              <a:ext uri="{FF2B5EF4-FFF2-40B4-BE49-F238E27FC236}">
+                <a16:creationId xmlns:a16="http://schemas.microsoft.com/office/drawing/2014/main" id="{BE52EE49-79B6-F47C-E64E-1D02D5C71343}"/>
+              </a:ext>
+            </a:extLst>
+          </p:cNvPr>
+          <p:cNvCxnSpPr>
+            <a:cxnSpLocks/>
+            <a:stCxn id="6" idx="3"/>
+          </p:cNvCxnSpPr>
+          <p:nvPr/>
+        </p:nvCxnSpPr>
+        <p:spPr>
+          <a:xfrm>
+            <a:off x="4577646" y="1530640"/>
+            <a:ext cx="4037848" cy="681486"/>
+          </a:xfrm>
+          <a:prstGeom prst="bentConnector3">
+            <a:avLst>
+              <a:gd name="adj1" fmla="val 50000"/>
+            </a:avLst>
+          </a:prstGeom>
+          <a:ln>
+            <a:tailEnd type="triangle"/>
+          </a:ln>
+        </p:spPr>
+        <p:style>
+          <a:lnRef idx="2">
+            <a:schemeClr val="accent1"/>
+          </a:lnRef>
+          <a:fillRef idx="0">
+            <a:schemeClr val="accent1"/>
+          </a:fillRef>
+          <a:effectRef idx="1">
+            <a:schemeClr val="accent1"/>
+          </a:effectRef>
+          <a:fontRef idx="minor">
+            <a:schemeClr val="tx1"/>
+          </a:fontRef>
+        </p:style>
+      </p:cxnSp>
+      <p:sp>
+        <p:nvSpPr>
+          <p:cNvPr id="45" name="Rectangle 44">
+            <a:extLst>
+              <a:ext uri="{FF2B5EF4-FFF2-40B4-BE49-F238E27FC236}">
+                <a16:creationId xmlns:a16="http://schemas.microsoft.com/office/drawing/2014/main" id="{2AB67EA9-A11E-2724-8A36-6A577398DD87}"/>
+              </a:ext>
+            </a:extLst>
+          </p:cNvPr>
+          <p:cNvSpPr/>
+          <p:nvPr/>
+        </p:nvSpPr>
+        <p:spPr>
+          <a:xfrm>
+            <a:off x="9054565" y="2290079"/>
+            <a:ext cx="2685011" cy="661322"/>
+          </a:xfrm>
+          <a:prstGeom prst="rect">
+            <a:avLst/>
+          </a:prstGeom>
+        </p:spPr>
+        <p:style>
+          <a:lnRef idx="2">
+            <a:schemeClr val="accent1">
+              <a:shade val="15000"/>
+            </a:schemeClr>
+          </a:lnRef>
+          <a:fillRef idx="1">
+            <a:schemeClr val="accent1"/>
+          </a:fillRef>
+          <a:effectRef idx="0">
+            <a:schemeClr val="accent1"/>
+          </a:effectRef>
+          <a:fontRef idx="minor">
+            <a:schemeClr val="lt1"/>
+          </a:fontRef>
+        </p:style>
+        <p:txBody>
+          <a:bodyPr rtlCol="0" anchor="ctr"/>
+          <a:lstStyle/>
+          <a:p>
+            <a:pPr algn="ctr"/>
+            <a:r>
+              <a:rPr lang="en-GB" sz="2000" noProof="1"/>
+              <a:t>widgets.MultiSelect</a:t>
+            </a:r>
+          </a:p>
+          <a:p>
+            <a:pPr algn="ctr"/>
+            <a:r>
+              <a:rPr lang="en-GB" sz="1600" i="1" noProof="1"/>
+              <a:t>filter_passenger_class</a:t>
+            </a:r>
+            <a:endParaRPr lang="en-PT" sz="1600" i="1" noProof="1"/>
+          </a:p>
+        </p:txBody>
+      </p:sp>
+      <p:sp>
+        <p:nvSpPr>
+          <p:cNvPr id="48" name="Rectangle 47">
+            <a:extLst>
+              <a:ext uri="{FF2B5EF4-FFF2-40B4-BE49-F238E27FC236}">
+                <a16:creationId xmlns:a16="http://schemas.microsoft.com/office/drawing/2014/main" id="{E77B0535-E9B2-5B36-7837-74F210B76C4F}"/>
+              </a:ext>
+            </a:extLst>
+          </p:cNvPr>
+          <p:cNvSpPr/>
+          <p:nvPr/>
+        </p:nvSpPr>
+        <p:spPr>
+          <a:xfrm>
+            <a:off x="9054565" y="3029353"/>
+            <a:ext cx="2685011" cy="661322"/>
+          </a:xfrm>
+          <a:prstGeom prst="rect">
+            <a:avLst/>
+          </a:prstGeom>
+        </p:spPr>
+        <p:style>
+          <a:lnRef idx="2">
+            <a:schemeClr val="accent1">
+              <a:shade val="15000"/>
+            </a:schemeClr>
+          </a:lnRef>
+          <a:fillRef idx="1">
+            <a:schemeClr val="accent1"/>
+          </a:fillRef>
+          <a:effectRef idx="0">
+            <a:schemeClr val="accent1"/>
+          </a:effectRef>
+          <a:fontRef idx="minor">
+            <a:schemeClr val="lt1"/>
+          </a:fontRef>
+        </p:style>
+        <p:txBody>
+          <a:bodyPr rtlCol="0" anchor="ctr"/>
+          <a:lstStyle/>
+          <a:p>
+            <a:pPr algn="ctr"/>
+            <a:r>
+              <a:rPr lang="en-GB" sz="2000" noProof="1"/>
+              <a:t>widgets.MultiSelect</a:t>
+            </a:r>
+          </a:p>
+          <a:p>
+            <a:pPr algn="ctr"/>
+            <a:r>
+              <a:rPr lang="en-GB" sz="1600" i="1" noProof="1"/>
+              <a:t>filter_survived</a:t>
+            </a:r>
+            <a:endParaRPr lang="en-PT" sz="1600" i="1" noProof="1"/>
+          </a:p>
+        </p:txBody>
+      </p:sp>
+      <p:cxnSp>
+        <p:nvCxnSpPr>
+          <p:cNvPr id="49" name="Elbow Connector 48">
+            <a:extLst>
+              <a:ext uri="{FF2B5EF4-FFF2-40B4-BE49-F238E27FC236}">
+                <a16:creationId xmlns:a16="http://schemas.microsoft.com/office/drawing/2014/main" id="{432BA6B4-ED9F-8752-0BA2-3403878809F0}"/>
+              </a:ext>
+            </a:extLst>
+          </p:cNvPr>
+          <p:cNvCxnSpPr>
+            <a:cxnSpLocks/>
+            <a:endCxn id="22" idx="1"/>
+          </p:cNvCxnSpPr>
+          <p:nvPr/>
+        </p:nvCxnSpPr>
+        <p:spPr>
+          <a:xfrm flipV="1">
+            <a:off x="8178327" y="381323"/>
+            <a:ext cx="876238" cy="388491"/>
+          </a:xfrm>
+          <a:prstGeom prst="bentConnector3">
+            <a:avLst>
+              <a:gd name="adj1" fmla="val 50000"/>
+            </a:avLst>
+          </a:prstGeom>
+          <a:ln>
+            <a:tailEnd type="triangle"/>
+          </a:ln>
+        </p:spPr>
+        <p:style>
+          <a:lnRef idx="2">
+            <a:schemeClr val="accent1"/>
+          </a:lnRef>
+          <a:fillRef idx="0">
+            <a:schemeClr val="accent1"/>
+          </a:fillRef>
+          <a:effectRef idx="1">
+            <a:schemeClr val="accent1"/>
+          </a:effectRef>
+          <a:fontRef idx="minor">
+            <a:schemeClr val="tx1"/>
+          </a:fontRef>
+        </p:style>
+      </p:cxnSp>
+      <p:cxnSp>
+        <p:nvCxnSpPr>
+          <p:cNvPr id="52" name="Elbow Connector 51">
+            <a:extLst>
+              <a:ext uri="{FF2B5EF4-FFF2-40B4-BE49-F238E27FC236}">
+                <a16:creationId xmlns:a16="http://schemas.microsoft.com/office/drawing/2014/main" id="{89FEC1AB-86A2-9507-BCC5-387F3160CBF2}"/>
+              </a:ext>
+            </a:extLst>
+          </p:cNvPr>
+          <p:cNvCxnSpPr>
+            <a:cxnSpLocks/>
+            <a:endCxn id="23" idx="1"/>
+          </p:cNvCxnSpPr>
+          <p:nvPr/>
+        </p:nvCxnSpPr>
+        <p:spPr>
+          <a:xfrm>
+            <a:off x="8178327" y="769814"/>
+            <a:ext cx="876238" cy="361580"/>
+          </a:xfrm>
+          <a:prstGeom prst="bentConnector3">
+            <a:avLst>
+              <a:gd name="adj1" fmla="val 50000"/>
+            </a:avLst>
+          </a:prstGeom>
+          <a:ln>
+            <a:tailEnd type="triangle"/>
+          </a:ln>
+        </p:spPr>
+        <p:style>
+          <a:lnRef idx="2">
+            <a:schemeClr val="accent1"/>
+          </a:lnRef>
+          <a:fillRef idx="0">
+            <a:schemeClr val="accent1"/>
+          </a:fillRef>
+          <a:effectRef idx="1">
+            <a:schemeClr val="accent1"/>
+          </a:effectRef>
+          <a:fontRef idx="minor">
+            <a:schemeClr val="tx1"/>
+          </a:fontRef>
+        </p:style>
+      </p:cxnSp>
+      <p:cxnSp>
+        <p:nvCxnSpPr>
+          <p:cNvPr id="55" name="Elbow Connector 54">
+            <a:extLst>
+              <a:ext uri="{FF2B5EF4-FFF2-40B4-BE49-F238E27FC236}">
+                <a16:creationId xmlns:a16="http://schemas.microsoft.com/office/drawing/2014/main" id="{E5036355-A9CB-24D8-C13C-8DD192057C81}"/>
+              </a:ext>
+            </a:extLst>
+          </p:cNvPr>
+          <p:cNvCxnSpPr>
+            <a:cxnSpLocks/>
+            <a:endCxn id="44" idx="1"/>
+          </p:cNvCxnSpPr>
+          <p:nvPr/>
+        </p:nvCxnSpPr>
+        <p:spPr>
+          <a:xfrm flipV="1">
+            <a:off x="8178327" y="1881465"/>
+            <a:ext cx="876238" cy="310497"/>
+          </a:xfrm>
+          <a:prstGeom prst="bentConnector3">
+            <a:avLst>
+              <a:gd name="adj1" fmla="val 50000"/>
+            </a:avLst>
+          </a:prstGeom>
+          <a:ln>
+            <a:tailEnd type="triangle"/>
+          </a:ln>
+        </p:spPr>
+        <p:style>
+          <a:lnRef idx="2">
+            <a:schemeClr val="accent1"/>
+          </a:lnRef>
+          <a:fillRef idx="0">
+            <a:schemeClr val="accent1"/>
+          </a:fillRef>
+          <a:effectRef idx="1">
+            <a:schemeClr val="accent1"/>
+          </a:effectRef>
+          <a:fontRef idx="minor">
+            <a:schemeClr val="tx1"/>
+          </a:fontRef>
+        </p:style>
+      </p:cxnSp>
+      <p:cxnSp>
+        <p:nvCxnSpPr>
+          <p:cNvPr id="58" name="Elbow Connector 57">
+            <a:extLst>
+              <a:ext uri="{FF2B5EF4-FFF2-40B4-BE49-F238E27FC236}">
+                <a16:creationId xmlns:a16="http://schemas.microsoft.com/office/drawing/2014/main" id="{8972DB46-2551-9D61-9CCE-1216B49AB7D7}"/>
+              </a:ext>
+            </a:extLst>
+          </p:cNvPr>
+          <p:cNvCxnSpPr>
+            <a:cxnSpLocks/>
+            <a:endCxn id="45" idx="1"/>
+          </p:cNvCxnSpPr>
+          <p:nvPr/>
+        </p:nvCxnSpPr>
+        <p:spPr>
+          <a:xfrm>
+            <a:off x="8178327" y="2191962"/>
+            <a:ext cx="876238" cy="428778"/>
+          </a:xfrm>
+          <a:prstGeom prst="bentConnector3">
+            <a:avLst>
+              <a:gd name="adj1" fmla="val 50000"/>
+            </a:avLst>
+          </a:prstGeom>
+          <a:ln>
+            <a:tailEnd type="triangle"/>
+          </a:ln>
+        </p:spPr>
+        <p:style>
+          <a:lnRef idx="2">
+            <a:schemeClr val="accent1"/>
+          </a:lnRef>
+          <a:fillRef idx="0">
+            <a:schemeClr val="accent1"/>
+          </a:fillRef>
+          <a:effectRef idx="1">
+            <a:schemeClr val="accent1"/>
+          </a:effectRef>
+          <a:fontRef idx="minor">
+            <a:schemeClr val="tx1"/>
+          </a:fontRef>
+        </p:style>
+      </p:cxnSp>
+      <p:cxnSp>
+        <p:nvCxnSpPr>
+          <p:cNvPr id="61" name="Elbow Connector 60">
+            <a:extLst>
+              <a:ext uri="{FF2B5EF4-FFF2-40B4-BE49-F238E27FC236}">
+                <a16:creationId xmlns:a16="http://schemas.microsoft.com/office/drawing/2014/main" id="{B777D499-8FEC-96D1-1FD1-EB9D8C049BFD}"/>
+              </a:ext>
+            </a:extLst>
+          </p:cNvPr>
+          <p:cNvCxnSpPr>
+            <a:cxnSpLocks/>
+            <a:endCxn id="48" idx="1"/>
+          </p:cNvCxnSpPr>
+          <p:nvPr/>
+        </p:nvCxnSpPr>
+        <p:spPr>
+          <a:xfrm>
+            <a:off x="8178327" y="2191962"/>
+            <a:ext cx="876238" cy="1168052"/>
+          </a:xfrm>
+          <a:prstGeom prst="bentConnector3">
+            <a:avLst>
+              <a:gd name="adj1" fmla="val 50000"/>
+            </a:avLst>
+          </a:prstGeom>
+          <a:ln>
+            <a:tailEnd type="triangle"/>
+          </a:ln>
+        </p:spPr>
+        <p:style>
+          <a:lnRef idx="2">
+            <a:schemeClr val="accent1"/>
+          </a:lnRef>
+          <a:fillRef idx="0">
+            <a:schemeClr val="accent1"/>
+          </a:fillRef>
+          <a:effectRef idx="1">
+            <a:schemeClr val="accent1"/>
+          </a:effectRef>
+          <a:fontRef idx="minor">
+            <a:schemeClr val="tx1"/>
+          </a:fontRef>
+        </p:style>
+      </p:cxnSp>
+      <p:cxnSp>
+        <p:nvCxnSpPr>
+          <p:cNvPr id="64" name="Elbow Connector 63">
+            <a:extLst>
+              <a:ext uri="{FF2B5EF4-FFF2-40B4-BE49-F238E27FC236}">
+                <a16:creationId xmlns:a16="http://schemas.microsoft.com/office/drawing/2014/main" id="{37FB777A-D824-55F6-526E-6CE7B7FA881A}"/>
+              </a:ext>
+            </a:extLst>
+          </p:cNvPr>
+          <p:cNvCxnSpPr>
+            <a:cxnSpLocks/>
+            <a:stCxn id="7" idx="3"/>
+            <a:endCxn id="12" idx="1"/>
+          </p:cNvCxnSpPr>
+          <p:nvPr/>
+        </p:nvCxnSpPr>
+        <p:spPr>
+          <a:xfrm flipV="1">
+            <a:off x="4576412" y="3944771"/>
+            <a:ext cx="901916" cy="534448"/>
+          </a:xfrm>
+          <a:prstGeom prst="bentConnector3">
+            <a:avLst>
+              <a:gd name="adj1" fmla="val 50000"/>
+            </a:avLst>
+          </a:prstGeom>
+          <a:ln>
+            <a:tailEnd type="triangle"/>
+          </a:ln>
+        </p:spPr>
+        <p:style>
+          <a:lnRef idx="2">
+            <a:schemeClr val="accent1"/>
+          </a:lnRef>
+          <a:fillRef idx="0">
+            <a:schemeClr val="accent1"/>
+          </a:fillRef>
+          <a:effectRef idx="1">
+            <a:schemeClr val="accent1"/>
+          </a:effectRef>
+          <a:fontRef idx="minor">
+            <a:schemeClr val="tx1"/>
+          </a:fontRef>
+        </p:style>
+      </p:cxnSp>
+      <p:sp>
+        <p:nvSpPr>
+          <p:cNvPr id="67" name="Rectangle 66">
+            <a:extLst>
+              <a:ext uri="{FF2B5EF4-FFF2-40B4-BE49-F238E27FC236}">
+                <a16:creationId xmlns:a16="http://schemas.microsoft.com/office/drawing/2014/main" id="{067BEDA9-FC44-342E-1335-91034F3360F1}"/>
               </a:ext>
             </a:extLst>
           </p:cNvPr>
@@ -3908,7 +4551,7 @@
         </p:nvSpPr>
         <p:spPr>
           <a:xfrm>
-            <a:off x="5478327" y="439153"/>
+            <a:off x="5478327" y="4377354"/>
             <a:ext cx="2700000" cy="661322"/>
           </a:xfrm>
           <a:prstGeom prst="rect">
@@ -3936,747 +4579,6 @@
             <a:pPr algn="ctr"/>
             <a:r>
               <a:rPr lang="en-GB" sz="2000" noProof="1"/>
-              <a:t>layout.Column</a:t>
-            </a:r>
-            <a:endParaRPr lang="en-PT" sz="2000" noProof="1"/>
-          </a:p>
-        </p:txBody>
-      </p:sp>
-      <p:sp>
-        <p:nvSpPr>
-          <p:cNvPr id="21" name="Rectangle 20">
-            <a:extLst>
-              <a:ext uri="{FF2B5EF4-FFF2-40B4-BE49-F238E27FC236}">
-                <a16:creationId xmlns:a16="http://schemas.microsoft.com/office/drawing/2014/main" id="{4FF03B10-43A0-A23B-E5FF-61C20195691B}"/>
-              </a:ext>
-            </a:extLst>
-          </p:cNvPr>
-          <p:cNvSpPr>
-            <a:spLocks/>
-          </p:cNvSpPr>
-          <p:nvPr/>
-        </p:nvSpPr>
-        <p:spPr>
-          <a:xfrm>
-            <a:off x="5478327" y="1861301"/>
-            <a:ext cx="2700000" cy="661322"/>
-          </a:xfrm>
-          <a:prstGeom prst="rect">
-            <a:avLst/>
-          </a:prstGeom>
-        </p:spPr>
-        <p:style>
-          <a:lnRef idx="3">
-            <a:schemeClr val="lt1"/>
-          </a:lnRef>
-          <a:fillRef idx="1">
-            <a:schemeClr val="accent2"/>
-          </a:fillRef>
-          <a:effectRef idx="1">
-            <a:schemeClr val="accent2"/>
-          </a:effectRef>
-          <a:fontRef idx="minor">
-            <a:schemeClr val="lt1"/>
-          </a:fontRef>
-        </p:style>
-        <p:txBody>
-          <a:bodyPr rtlCol="0" anchor="ctr"/>
-          <a:lstStyle/>
-          <a:p>
-            <a:pPr algn="ctr"/>
-            <a:r>
-              <a:rPr lang="en-GB" sz="2000" noProof="1"/>
-              <a:t>layout. Column</a:t>
-            </a:r>
-            <a:endParaRPr lang="en-PT" sz="2000" noProof="1"/>
-          </a:p>
-        </p:txBody>
-      </p:sp>
-      <p:sp>
-        <p:nvSpPr>
-          <p:cNvPr id="22" name="Rectangle 21">
-            <a:extLst>
-              <a:ext uri="{FF2B5EF4-FFF2-40B4-BE49-F238E27FC236}">
-                <a16:creationId xmlns:a16="http://schemas.microsoft.com/office/drawing/2014/main" id="{B1F1EE83-3D26-5BFB-7F4E-866D985DEF0A}"/>
-              </a:ext>
-            </a:extLst>
-          </p:cNvPr>
-          <p:cNvSpPr/>
-          <p:nvPr/>
-        </p:nvSpPr>
-        <p:spPr>
-          <a:xfrm>
-            <a:off x="9054565" y="50662"/>
-            <a:ext cx="2685011" cy="661322"/>
-          </a:xfrm>
-          <a:prstGeom prst="rect">
-            <a:avLst/>
-          </a:prstGeom>
-        </p:spPr>
-        <p:style>
-          <a:lnRef idx="2">
-            <a:schemeClr val="accent1">
-              <a:shade val="15000"/>
-            </a:schemeClr>
-          </a:lnRef>
-          <a:fillRef idx="1">
-            <a:schemeClr val="accent1"/>
-          </a:fillRef>
-          <a:effectRef idx="0">
-            <a:schemeClr val="accent1"/>
-          </a:effectRef>
-          <a:fontRef idx="minor">
-            <a:schemeClr val="lt1"/>
-          </a:fontRef>
-        </p:style>
-        <p:txBody>
-          <a:bodyPr rtlCol="0" anchor="ctr"/>
-          <a:lstStyle/>
-          <a:p>
-            <a:pPr algn="ctr"/>
-            <a:r>
-              <a:rPr lang="en-GB" sz="2000" noProof="1"/>
-              <a:t>widgets.TextInput</a:t>
-            </a:r>
-          </a:p>
-          <a:p>
-            <a:pPr algn="ctr"/>
-            <a:r>
-              <a:rPr lang="en-GB" sz="1600" noProof="1"/>
-              <a:t>filter_text_intput</a:t>
-            </a:r>
-            <a:endParaRPr lang="en-PT" sz="1600" noProof="1"/>
-          </a:p>
-        </p:txBody>
-      </p:sp>
-      <p:sp>
-        <p:nvSpPr>
-          <p:cNvPr id="23" name="Rectangle 22">
-            <a:extLst>
-              <a:ext uri="{FF2B5EF4-FFF2-40B4-BE49-F238E27FC236}">
-                <a16:creationId xmlns:a16="http://schemas.microsoft.com/office/drawing/2014/main" id="{4B57A0BF-693A-115D-A011-380D26A0E68C}"/>
-              </a:ext>
-            </a:extLst>
-          </p:cNvPr>
-          <p:cNvSpPr/>
-          <p:nvPr/>
-        </p:nvSpPr>
-        <p:spPr>
-          <a:xfrm>
-            <a:off x="9054565" y="800733"/>
-            <a:ext cx="2685011" cy="661322"/>
-          </a:xfrm>
-          <a:prstGeom prst="rect">
-            <a:avLst/>
-          </a:prstGeom>
-        </p:spPr>
-        <p:style>
-          <a:lnRef idx="2">
-            <a:schemeClr val="accent1">
-              <a:shade val="15000"/>
-            </a:schemeClr>
-          </a:lnRef>
-          <a:fillRef idx="1">
-            <a:schemeClr val="accent1"/>
-          </a:fillRef>
-          <a:effectRef idx="0">
-            <a:schemeClr val="accent1"/>
-          </a:effectRef>
-          <a:fontRef idx="minor">
-            <a:schemeClr val="lt1"/>
-          </a:fontRef>
-        </p:style>
-        <p:txBody>
-          <a:bodyPr rtlCol="0" anchor="ctr"/>
-          <a:lstStyle/>
-          <a:p>
-            <a:pPr algn="ctr"/>
-            <a:r>
-              <a:rPr lang="en-GB" sz="2000" noProof="1"/>
-              <a:t>widgets.Button</a:t>
-            </a:r>
-          </a:p>
-          <a:p>
-            <a:pPr algn="ctr"/>
-            <a:r>
-              <a:rPr lang="en-GB" sz="1600" noProof="1"/>
-              <a:t>filter_button</a:t>
-            </a:r>
-            <a:endParaRPr lang="en-PT" sz="1600" noProof="1"/>
-          </a:p>
-        </p:txBody>
-      </p:sp>
-      <p:cxnSp>
-        <p:nvCxnSpPr>
-          <p:cNvPr id="38" name="Elbow Connector 37">
-            <a:extLst>
-              <a:ext uri="{FF2B5EF4-FFF2-40B4-BE49-F238E27FC236}">
-                <a16:creationId xmlns:a16="http://schemas.microsoft.com/office/drawing/2014/main" id="{5328C4C9-20AF-6628-C624-A6FB5DC3F327}"/>
-              </a:ext>
-            </a:extLst>
-          </p:cNvPr>
-          <p:cNvCxnSpPr>
-            <a:cxnSpLocks/>
-            <a:stCxn id="6" idx="3"/>
-            <a:endCxn id="19" idx="2"/>
-          </p:cNvCxnSpPr>
-          <p:nvPr/>
-        </p:nvCxnSpPr>
-        <p:spPr>
-          <a:xfrm flipV="1">
-            <a:off x="4577646" y="1100475"/>
-            <a:ext cx="2250681" cy="430165"/>
-          </a:xfrm>
-          <a:prstGeom prst="bentConnector2">
-            <a:avLst/>
-          </a:prstGeom>
-          <a:ln>
-            <a:tailEnd type="triangle"/>
-          </a:ln>
-        </p:spPr>
-        <p:style>
-          <a:lnRef idx="2">
-            <a:schemeClr val="accent1"/>
-          </a:lnRef>
-          <a:fillRef idx="0">
-            <a:schemeClr val="accent1"/>
-          </a:fillRef>
-          <a:effectRef idx="1">
-            <a:schemeClr val="accent1"/>
-          </a:effectRef>
-          <a:fontRef idx="minor">
-            <a:schemeClr val="tx1"/>
-          </a:fontRef>
-        </p:style>
-      </p:cxnSp>
-      <p:sp>
-        <p:nvSpPr>
-          <p:cNvPr id="44" name="Rectangle 43">
-            <a:extLst>
-              <a:ext uri="{FF2B5EF4-FFF2-40B4-BE49-F238E27FC236}">
-                <a16:creationId xmlns:a16="http://schemas.microsoft.com/office/drawing/2014/main" id="{36C0FAA9-AAA4-1409-D6EB-862A529F141A}"/>
-              </a:ext>
-            </a:extLst>
-          </p:cNvPr>
-          <p:cNvSpPr/>
-          <p:nvPr/>
-        </p:nvSpPr>
-        <p:spPr>
-          <a:xfrm>
-            <a:off x="9054565" y="1550804"/>
-            <a:ext cx="2685011" cy="661322"/>
-          </a:xfrm>
-          <a:prstGeom prst="rect">
-            <a:avLst/>
-          </a:prstGeom>
-        </p:spPr>
-        <p:style>
-          <a:lnRef idx="2">
-            <a:schemeClr val="accent1">
-              <a:shade val="15000"/>
-            </a:schemeClr>
-          </a:lnRef>
-          <a:fillRef idx="1">
-            <a:schemeClr val="accent1"/>
-          </a:fillRef>
-          <a:effectRef idx="0">
-            <a:schemeClr val="accent1"/>
-          </a:effectRef>
-          <a:fontRef idx="minor">
-            <a:schemeClr val="lt1"/>
-          </a:fontRef>
-        </p:style>
-        <p:txBody>
-          <a:bodyPr rtlCol="0" anchor="ctr"/>
-          <a:lstStyle/>
-          <a:p>
-            <a:pPr algn="ctr"/>
-            <a:r>
-              <a:rPr lang="en-GB" sz="2000" noProof="1"/>
-              <a:t>widgets.MultiSelect</a:t>
-            </a:r>
-          </a:p>
-          <a:p>
-            <a:pPr algn="ctr"/>
-            <a:r>
-              <a:rPr lang="en-GB" sz="1600" noProof="1"/>
-              <a:t>filter_sex</a:t>
-            </a:r>
-            <a:endParaRPr lang="en-PT" sz="1600" noProof="1"/>
-          </a:p>
-        </p:txBody>
-      </p:sp>
-      <p:cxnSp>
-        <p:nvCxnSpPr>
-          <p:cNvPr id="41" name="Elbow Connector 40">
-            <a:extLst>
-              <a:ext uri="{FF2B5EF4-FFF2-40B4-BE49-F238E27FC236}">
-                <a16:creationId xmlns:a16="http://schemas.microsoft.com/office/drawing/2014/main" id="{BE52EE49-79B6-F47C-E64E-1D02D5C71343}"/>
-              </a:ext>
-            </a:extLst>
-          </p:cNvPr>
-          <p:cNvCxnSpPr>
-            <a:cxnSpLocks/>
-            <a:stCxn id="6" idx="3"/>
-            <a:endCxn id="21" idx="0"/>
-          </p:cNvCxnSpPr>
-          <p:nvPr/>
-        </p:nvCxnSpPr>
-        <p:spPr>
-          <a:xfrm>
-            <a:off x="4577646" y="1530640"/>
-            <a:ext cx="2250681" cy="330661"/>
-          </a:xfrm>
-          <a:prstGeom prst="bentConnector2">
-            <a:avLst/>
-          </a:prstGeom>
-          <a:ln>
-            <a:tailEnd type="triangle"/>
-          </a:ln>
-        </p:spPr>
-        <p:style>
-          <a:lnRef idx="2">
-            <a:schemeClr val="accent1"/>
-          </a:lnRef>
-          <a:fillRef idx="0">
-            <a:schemeClr val="accent1"/>
-          </a:fillRef>
-          <a:effectRef idx="1">
-            <a:schemeClr val="accent1"/>
-          </a:effectRef>
-          <a:fontRef idx="minor">
-            <a:schemeClr val="tx1"/>
-          </a:fontRef>
-        </p:style>
-      </p:cxnSp>
-      <p:sp>
-        <p:nvSpPr>
-          <p:cNvPr id="45" name="Rectangle 44">
-            <a:extLst>
-              <a:ext uri="{FF2B5EF4-FFF2-40B4-BE49-F238E27FC236}">
-                <a16:creationId xmlns:a16="http://schemas.microsoft.com/office/drawing/2014/main" id="{2AB67EA9-A11E-2724-8A36-6A577398DD87}"/>
-              </a:ext>
-            </a:extLst>
-          </p:cNvPr>
-          <p:cNvSpPr/>
-          <p:nvPr/>
-        </p:nvSpPr>
-        <p:spPr>
-          <a:xfrm>
-            <a:off x="9054565" y="2290079"/>
-            <a:ext cx="2685011" cy="661322"/>
-          </a:xfrm>
-          <a:prstGeom prst="rect">
-            <a:avLst/>
-          </a:prstGeom>
-        </p:spPr>
-        <p:style>
-          <a:lnRef idx="2">
-            <a:schemeClr val="accent1">
-              <a:shade val="15000"/>
-            </a:schemeClr>
-          </a:lnRef>
-          <a:fillRef idx="1">
-            <a:schemeClr val="accent1"/>
-          </a:fillRef>
-          <a:effectRef idx="0">
-            <a:schemeClr val="accent1"/>
-          </a:effectRef>
-          <a:fontRef idx="minor">
-            <a:schemeClr val="lt1"/>
-          </a:fontRef>
-        </p:style>
-        <p:txBody>
-          <a:bodyPr rtlCol="0" anchor="ctr"/>
-          <a:lstStyle/>
-          <a:p>
-            <a:pPr algn="ctr"/>
-            <a:r>
-              <a:rPr lang="en-GB" sz="2000" noProof="1"/>
-              <a:t>widgets.MultiSelect</a:t>
-            </a:r>
-          </a:p>
-          <a:p>
-            <a:pPr algn="ctr"/>
-            <a:r>
-              <a:rPr lang="en-GB" sz="1600" i="1" noProof="1"/>
-              <a:t>filter_passenger_class</a:t>
-            </a:r>
-            <a:endParaRPr lang="en-PT" sz="1600" i="1" noProof="1"/>
-          </a:p>
-        </p:txBody>
-      </p:sp>
-      <p:sp>
-        <p:nvSpPr>
-          <p:cNvPr id="48" name="Rectangle 47">
-            <a:extLst>
-              <a:ext uri="{FF2B5EF4-FFF2-40B4-BE49-F238E27FC236}">
-                <a16:creationId xmlns:a16="http://schemas.microsoft.com/office/drawing/2014/main" id="{E77B0535-E9B2-5B36-7837-74F210B76C4F}"/>
-              </a:ext>
-            </a:extLst>
-          </p:cNvPr>
-          <p:cNvSpPr/>
-          <p:nvPr/>
-        </p:nvSpPr>
-        <p:spPr>
-          <a:xfrm>
-            <a:off x="9054565" y="3029353"/>
-            <a:ext cx="2685011" cy="661322"/>
-          </a:xfrm>
-          <a:prstGeom prst="rect">
-            <a:avLst/>
-          </a:prstGeom>
-        </p:spPr>
-        <p:style>
-          <a:lnRef idx="2">
-            <a:schemeClr val="accent1">
-              <a:shade val="15000"/>
-            </a:schemeClr>
-          </a:lnRef>
-          <a:fillRef idx="1">
-            <a:schemeClr val="accent1"/>
-          </a:fillRef>
-          <a:effectRef idx="0">
-            <a:schemeClr val="accent1"/>
-          </a:effectRef>
-          <a:fontRef idx="minor">
-            <a:schemeClr val="lt1"/>
-          </a:fontRef>
-        </p:style>
-        <p:txBody>
-          <a:bodyPr rtlCol="0" anchor="ctr"/>
-          <a:lstStyle/>
-          <a:p>
-            <a:pPr algn="ctr"/>
-            <a:r>
-              <a:rPr lang="en-GB" sz="2000" noProof="1"/>
-              <a:t>widgets.MultiSelect</a:t>
-            </a:r>
-          </a:p>
-          <a:p>
-            <a:pPr algn="ctr"/>
-            <a:r>
-              <a:rPr lang="en-GB" sz="1600" i="1" noProof="1"/>
-              <a:t>filter_survived</a:t>
-            </a:r>
-            <a:endParaRPr lang="en-PT" sz="1600" i="1" noProof="1"/>
-          </a:p>
-        </p:txBody>
-      </p:sp>
-      <p:cxnSp>
-        <p:nvCxnSpPr>
-          <p:cNvPr id="49" name="Elbow Connector 48">
-            <a:extLst>
-              <a:ext uri="{FF2B5EF4-FFF2-40B4-BE49-F238E27FC236}">
-                <a16:creationId xmlns:a16="http://schemas.microsoft.com/office/drawing/2014/main" id="{432BA6B4-ED9F-8752-0BA2-3403878809F0}"/>
-              </a:ext>
-            </a:extLst>
-          </p:cNvPr>
-          <p:cNvCxnSpPr>
-            <a:cxnSpLocks/>
-            <a:stCxn id="19" idx="3"/>
-            <a:endCxn id="22" idx="1"/>
-          </p:cNvCxnSpPr>
-          <p:nvPr/>
-        </p:nvCxnSpPr>
-        <p:spPr>
-          <a:xfrm flipV="1">
-            <a:off x="8178327" y="381323"/>
-            <a:ext cx="876238" cy="388491"/>
-          </a:xfrm>
-          <a:prstGeom prst="bentConnector3">
-            <a:avLst>
-              <a:gd name="adj1" fmla="val 50000"/>
-            </a:avLst>
-          </a:prstGeom>
-          <a:ln>
-            <a:tailEnd type="triangle"/>
-          </a:ln>
-        </p:spPr>
-        <p:style>
-          <a:lnRef idx="2">
-            <a:schemeClr val="accent1"/>
-          </a:lnRef>
-          <a:fillRef idx="0">
-            <a:schemeClr val="accent1"/>
-          </a:fillRef>
-          <a:effectRef idx="1">
-            <a:schemeClr val="accent1"/>
-          </a:effectRef>
-          <a:fontRef idx="minor">
-            <a:schemeClr val="tx1"/>
-          </a:fontRef>
-        </p:style>
-      </p:cxnSp>
-      <p:cxnSp>
-        <p:nvCxnSpPr>
-          <p:cNvPr id="52" name="Elbow Connector 51">
-            <a:extLst>
-              <a:ext uri="{FF2B5EF4-FFF2-40B4-BE49-F238E27FC236}">
-                <a16:creationId xmlns:a16="http://schemas.microsoft.com/office/drawing/2014/main" id="{89FEC1AB-86A2-9507-BCC5-387F3160CBF2}"/>
-              </a:ext>
-            </a:extLst>
-          </p:cNvPr>
-          <p:cNvCxnSpPr>
-            <a:cxnSpLocks/>
-            <a:stCxn id="19" idx="3"/>
-            <a:endCxn id="23" idx="1"/>
-          </p:cNvCxnSpPr>
-          <p:nvPr/>
-        </p:nvCxnSpPr>
-        <p:spPr>
-          <a:xfrm>
-            <a:off x="8178327" y="769814"/>
-            <a:ext cx="876238" cy="361580"/>
-          </a:xfrm>
-          <a:prstGeom prst="bentConnector3">
-            <a:avLst>
-              <a:gd name="adj1" fmla="val 50000"/>
-            </a:avLst>
-          </a:prstGeom>
-          <a:ln>
-            <a:tailEnd type="triangle"/>
-          </a:ln>
-        </p:spPr>
-        <p:style>
-          <a:lnRef idx="2">
-            <a:schemeClr val="accent1"/>
-          </a:lnRef>
-          <a:fillRef idx="0">
-            <a:schemeClr val="accent1"/>
-          </a:fillRef>
-          <a:effectRef idx="1">
-            <a:schemeClr val="accent1"/>
-          </a:effectRef>
-          <a:fontRef idx="minor">
-            <a:schemeClr val="tx1"/>
-          </a:fontRef>
-        </p:style>
-      </p:cxnSp>
-      <p:cxnSp>
-        <p:nvCxnSpPr>
-          <p:cNvPr id="55" name="Elbow Connector 54">
-            <a:extLst>
-              <a:ext uri="{FF2B5EF4-FFF2-40B4-BE49-F238E27FC236}">
-                <a16:creationId xmlns:a16="http://schemas.microsoft.com/office/drawing/2014/main" id="{E5036355-A9CB-24D8-C13C-8DD192057C81}"/>
-              </a:ext>
-            </a:extLst>
-          </p:cNvPr>
-          <p:cNvCxnSpPr>
-            <a:cxnSpLocks/>
-            <a:stCxn id="21" idx="3"/>
-            <a:endCxn id="44" idx="1"/>
-          </p:cNvCxnSpPr>
-          <p:nvPr/>
-        </p:nvCxnSpPr>
-        <p:spPr>
-          <a:xfrm flipV="1">
-            <a:off x="8178327" y="1881465"/>
-            <a:ext cx="876238" cy="310497"/>
-          </a:xfrm>
-          <a:prstGeom prst="bentConnector3">
-            <a:avLst>
-              <a:gd name="adj1" fmla="val 50000"/>
-            </a:avLst>
-          </a:prstGeom>
-          <a:ln>
-            <a:tailEnd type="triangle"/>
-          </a:ln>
-        </p:spPr>
-        <p:style>
-          <a:lnRef idx="2">
-            <a:schemeClr val="accent1"/>
-          </a:lnRef>
-          <a:fillRef idx="0">
-            <a:schemeClr val="accent1"/>
-          </a:fillRef>
-          <a:effectRef idx="1">
-            <a:schemeClr val="accent1"/>
-          </a:effectRef>
-          <a:fontRef idx="minor">
-            <a:schemeClr val="tx1"/>
-          </a:fontRef>
-        </p:style>
-      </p:cxnSp>
-      <p:cxnSp>
-        <p:nvCxnSpPr>
-          <p:cNvPr id="58" name="Elbow Connector 57">
-            <a:extLst>
-              <a:ext uri="{FF2B5EF4-FFF2-40B4-BE49-F238E27FC236}">
-                <a16:creationId xmlns:a16="http://schemas.microsoft.com/office/drawing/2014/main" id="{8972DB46-2551-9D61-9CCE-1216B49AB7D7}"/>
-              </a:ext>
-            </a:extLst>
-          </p:cNvPr>
-          <p:cNvCxnSpPr>
-            <a:cxnSpLocks/>
-            <a:stCxn id="21" idx="3"/>
-            <a:endCxn id="45" idx="1"/>
-          </p:cNvCxnSpPr>
-          <p:nvPr/>
-        </p:nvCxnSpPr>
-        <p:spPr>
-          <a:xfrm>
-            <a:off x="8178327" y="2191962"/>
-            <a:ext cx="876238" cy="428778"/>
-          </a:xfrm>
-          <a:prstGeom prst="bentConnector3">
-            <a:avLst>
-              <a:gd name="adj1" fmla="val 50000"/>
-            </a:avLst>
-          </a:prstGeom>
-          <a:ln>
-            <a:tailEnd type="triangle"/>
-          </a:ln>
-        </p:spPr>
-        <p:style>
-          <a:lnRef idx="2">
-            <a:schemeClr val="accent1"/>
-          </a:lnRef>
-          <a:fillRef idx="0">
-            <a:schemeClr val="accent1"/>
-          </a:fillRef>
-          <a:effectRef idx="1">
-            <a:schemeClr val="accent1"/>
-          </a:effectRef>
-          <a:fontRef idx="minor">
-            <a:schemeClr val="tx1"/>
-          </a:fontRef>
-        </p:style>
-      </p:cxnSp>
-      <p:cxnSp>
-        <p:nvCxnSpPr>
-          <p:cNvPr id="61" name="Elbow Connector 60">
-            <a:extLst>
-              <a:ext uri="{FF2B5EF4-FFF2-40B4-BE49-F238E27FC236}">
-                <a16:creationId xmlns:a16="http://schemas.microsoft.com/office/drawing/2014/main" id="{B777D499-8FEC-96D1-1FD1-EB9D8C049BFD}"/>
-              </a:ext>
-            </a:extLst>
-          </p:cNvPr>
-          <p:cNvCxnSpPr>
-            <a:cxnSpLocks/>
-            <a:stCxn id="21" idx="3"/>
-            <a:endCxn id="48" idx="1"/>
-          </p:cNvCxnSpPr>
-          <p:nvPr/>
-        </p:nvCxnSpPr>
-        <p:spPr>
-          <a:xfrm>
-            <a:off x="8178327" y="2191962"/>
-            <a:ext cx="876238" cy="1168052"/>
-          </a:xfrm>
-          <a:prstGeom prst="bentConnector3">
-            <a:avLst>
-              <a:gd name="adj1" fmla="val 50000"/>
-            </a:avLst>
-          </a:prstGeom>
-          <a:ln>
-            <a:tailEnd type="triangle"/>
-          </a:ln>
-        </p:spPr>
-        <p:style>
-          <a:lnRef idx="2">
-            <a:schemeClr val="accent1"/>
-          </a:lnRef>
-          <a:fillRef idx="0">
-            <a:schemeClr val="accent1"/>
-          </a:fillRef>
-          <a:effectRef idx="1">
-            <a:schemeClr val="accent1"/>
-          </a:effectRef>
-          <a:fontRef idx="minor">
-            <a:schemeClr val="tx1"/>
-          </a:fontRef>
-        </p:style>
-      </p:cxnSp>
-      <p:cxnSp>
-        <p:nvCxnSpPr>
-          <p:cNvPr id="64" name="Elbow Connector 63">
-            <a:extLst>
-              <a:ext uri="{FF2B5EF4-FFF2-40B4-BE49-F238E27FC236}">
-                <a16:creationId xmlns:a16="http://schemas.microsoft.com/office/drawing/2014/main" id="{37FB777A-D824-55F6-526E-6CE7B7FA881A}"/>
-              </a:ext>
-            </a:extLst>
-          </p:cNvPr>
-          <p:cNvCxnSpPr>
-            <a:cxnSpLocks/>
-            <a:stCxn id="7" idx="3"/>
-            <a:endCxn id="12" idx="1"/>
-          </p:cNvCxnSpPr>
-          <p:nvPr/>
-        </p:nvCxnSpPr>
-        <p:spPr>
-          <a:xfrm flipV="1">
-            <a:off x="4576412" y="3944771"/>
-            <a:ext cx="901916" cy="534448"/>
-          </a:xfrm>
-          <a:prstGeom prst="bentConnector3">
-            <a:avLst>
-              <a:gd name="adj1" fmla="val 50000"/>
-            </a:avLst>
-          </a:prstGeom>
-          <a:ln>
-            <a:tailEnd type="triangle"/>
-          </a:ln>
-        </p:spPr>
-        <p:style>
-          <a:lnRef idx="2">
-            <a:schemeClr val="accent1"/>
-          </a:lnRef>
-          <a:fillRef idx="0">
-            <a:schemeClr val="accent1"/>
-          </a:fillRef>
-          <a:effectRef idx="1">
-            <a:schemeClr val="accent1"/>
-          </a:effectRef>
-          <a:fontRef idx="minor">
-            <a:schemeClr val="tx1"/>
-          </a:fontRef>
-        </p:style>
-      </p:cxnSp>
-      <p:sp>
-        <p:nvSpPr>
-          <p:cNvPr id="67" name="Rectangle 66">
-            <a:extLst>
-              <a:ext uri="{FF2B5EF4-FFF2-40B4-BE49-F238E27FC236}">
-                <a16:creationId xmlns:a16="http://schemas.microsoft.com/office/drawing/2014/main" id="{067BEDA9-FC44-342E-1335-91034F3360F1}"/>
-              </a:ext>
-            </a:extLst>
-          </p:cNvPr>
-          <p:cNvSpPr>
-            <a:spLocks/>
-          </p:cNvSpPr>
-          <p:nvPr/>
-        </p:nvSpPr>
-        <p:spPr>
-          <a:xfrm>
-            <a:off x="5478327" y="4377354"/>
-            <a:ext cx="2700000" cy="661322"/>
-          </a:xfrm>
-          <a:prstGeom prst="rect">
-            <a:avLst/>
-          </a:prstGeom>
-        </p:spPr>
-        <p:style>
-          <a:lnRef idx="3">
-            <a:schemeClr val="lt1"/>
-          </a:lnRef>
-          <a:fillRef idx="1">
-            <a:schemeClr val="accent2"/>
-          </a:fillRef>
-          <a:effectRef idx="1">
-            <a:schemeClr val="accent2"/>
-          </a:effectRef>
-          <a:fontRef idx="minor">
-            <a:schemeClr val="lt1"/>
-          </a:fontRef>
-        </p:style>
-        <p:txBody>
-          <a:bodyPr rtlCol="0" anchor="ctr"/>
-          <a:lstStyle/>
-          <a:p>
-            <a:pPr algn="ctr"/>
-            <a:r>
-              <a:rPr lang="en-GB" sz="2000" noProof="1"/>
               <a:t>layout.Row</a:t>
             </a:r>
             <a:endParaRPr lang="en-PT" sz="2000" noProof="1"/>
@@ -4747,7 +4649,7 @@
         <p:spPr>
           <a:xfrm>
             <a:off x="4576412" y="4479219"/>
-            <a:ext cx="901916" cy="1755285"/>
+            <a:ext cx="909410" cy="1180531"/>
           </a:xfrm>
           <a:prstGeom prst="bentConnector3">
             <a:avLst>
@@ -4874,15 +4776,15 @@
           </p:cNvPr>
           <p:cNvCxnSpPr>
             <a:cxnSpLocks/>
-            <a:stCxn id="7" idx="3"/>
+            <a:stCxn id="67" idx="3"/>
             <a:endCxn id="8" idx="1"/>
           </p:cNvCxnSpPr>
           <p:nvPr/>
         </p:nvCxnSpPr>
         <p:spPr>
           <a:xfrm>
-            <a:off x="4576412" y="4479219"/>
-            <a:ext cx="901916" cy="992040"/>
+            <a:off x="8178327" y="4708015"/>
+            <a:ext cx="886928" cy="1195828"/>
           </a:xfrm>
           <a:prstGeom prst="bentConnector3">
             <a:avLst>
@@ -4966,8 +4868,398 @@
           <a:prstGeom prst="rect">
             <a:avLst/>
           </a:prstGeom>
+          <a:ln>
+            <a:solidFill>
+              <a:srgbClr val="FF0000"/>
+            </a:solidFill>
+          </a:ln>
         </p:spPr>
       </p:pic>
+      <p:cxnSp>
+        <p:nvCxnSpPr>
+          <p:cNvPr id="3" name="Straight Connector 2">
+            <a:extLst>
+              <a:ext uri="{FF2B5EF4-FFF2-40B4-BE49-F238E27FC236}">
+                <a16:creationId xmlns:a16="http://schemas.microsoft.com/office/drawing/2014/main" id="{BEC14869-0CBD-BBE6-06D6-2162046F6207}"/>
+              </a:ext>
+            </a:extLst>
+          </p:cNvPr>
+          <p:cNvCxnSpPr/>
+          <p:nvPr/>
+        </p:nvCxnSpPr>
+        <p:spPr>
+          <a:xfrm>
+            <a:off x="3825380" y="377505"/>
+            <a:ext cx="0" cy="6480495"/>
+          </a:xfrm>
+          <a:prstGeom prst="line">
+            <a:avLst/>
+          </a:prstGeom>
+          <a:ln>
+            <a:solidFill>
+              <a:srgbClr val="FF0000"/>
+            </a:solidFill>
+          </a:ln>
+        </p:spPr>
+        <p:style>
+          <a:lnRef idx="2">
+            <a:schemeClr val="accent1"/>
+          </a:lnRef>
+          <a:fillRef idx="0">
+            <a:schemeClr val="accent1"/>
+          </a:fillRef>
+          <a:effectRef idx="1">
+            <a:schemeClr val="accent1"/>
+          </a:effectRef>
+          <a:fontRef idx="minor">
+            <a:schemeClr val="tx1"/>
+          </a:fontRef>
+        </p:style>
+      </p:cxnSp>
+      <p:cxnSp>
+        <p:nvCxnSpPr>
+          <p:cNvPr id="5" name="Straight Connector 4">
+            <a:extLst>
+              <a:ext uri="{FF2B5EF4-FFF2-40B4-BE49-F238E27FC236}">
+                <a16:creationId xmlns:a16="http://schemas.microsoft.com/office/drawing/2014/main" id="{8E5BBAD2-434D-A8CE-D1CD-E0A98B811E66}"/>
+              </a:ext>
+            </a:extLst>
+          </p:cNvPr>
+          <p:cNvCxnSpPr>
+            <a:cxnSpLocks/>
+          </p:cNvCxnSpPr>
+          <p:nvPr/>
+        </p:nvCxnSpPr>
+        <p:spPr>
+          <a:xfrm>
+            <a:off x="2013358" y="998290"/>
+            <a:ext cx="1778466" cy="0"/>
+          </a:xfrm>
+          <a:prstGeom prst="line">
+            <a:avLst/>
+          </a:prstGeom>
+          <a:ln>
+            <a:solidFill>
+              <a:srgbClr val="FF0000"/>
+            </a:solidFill>
+          </a:ln>
+        </p:spPr>
+        <p:style>
+          <a:lnRef idx="2">
+            <a:schemeClr val="accent1"/>
+          </a:lnRef>
+          <a:fillRef idx="0">
+            <a:schemeClr val="accent1"/>
+          </a:fillRef>
+          <a:effectRef idx="1">
+            <a:schemeClr val="accent1"/>
+          </a:effectRef>
+          <a:fontRef idx="minor">
+            <a:schemeClr val="tx1"/>
+          </a:fontRef>
+        </p:style>
+      </p:cxnSp>
+      <p:cxnSp>
+        <p:nvCxnSpPr>
+          <p:cNvPr id="6" name="Straight Connector 5">
+            <a:extLst>
+              <a:ext uri="{FF2B5EF4-FFF2-40B4-BE49-F238E27FC236}">
+                <a16:creationId xmlns:a16="http://schemas.microsoft.com/office/drawing/2014/main" id="{DF2B7942-3546-1E9F-FB68-082077E1E93A}"/>
+              </a:ext>
+            </a:extLst>
+          </p:cNvPr>
+          <p:cNvCxnSpPr>
+            <a:cxnSpLocks/>
+          </p:cNvCxnSpPr>
+          <p:nvPr/>
+        </p:nvCxnSpPr>
+        <p:spPr>
+          <a:xfrm>
+            <a:off x="2013358" y="1216404"/>
+            <a:ext cx="1778466" cy="0"/>
+          </a:xfrm>
+          <a:prstGeom prst="line">
+            <a:avLst/>
+          </a:prstGeom>
+          <a:ln>
+            <a:solidFill>
+              <a:srgbClr val="FF0000"/>
+            </a:solidFill>
+          </a:ln>
+        </p:spPr>
+        <p:style>
+          <a:lnRef idx="2">
+            <a:schemeClr val="accent1"/>
+          </a:lnRef>
+          <a:fillRef idx="0">
+            <a:schemeClr val="accent1"/>
+          </a:fillRef>
+          <a:effectRef idx="1">
+            <a:schemeClr val="accent1"/>
+          </a:effectRef>
+          <a:fontRef idx="minor">
+            <a:schemeClr val="tx1"/>
+          </a:fontRef>
+        </p:style>
+      </p:cxnSp>
+      <p:cxnSp>
+        <p:nvCxnSpPr>
+          <p:cNvPr id="8" name="Straight Connector 7">
+            <a:extLst>
+              <a:ext uri="{FF2B5EF4-FFF2-40B4-BE49-F238E27FC236}">
+                <a16:creationId xmlns:a16="http://schemas.microsoft.com/office/drawing/2014/main" id="{5994EF6B-0525-5923-5686-54BDCF06E553}"/>
+              </a:ext>
+            </a:extLst>
+          </p:cNvPr>
+          <p:cNvCxnSpPr>
+            <a:cxnSpLocks/>
+          </p:cNvCxnSpPr>
+          <p:nvPr/>
+        </p:nvCxnSpPr>
+        <p:spPr>
+          <a:xfrm>
+            <a:off x="2013358" y="1662419"/>
+            <a:ext cx="1778466" cy="0"/>
+          </a:xfrm>
+          <a:prstGeom prst="line">
+            <a:avLst/>
+          </a:prstGeom>
+          <a:ln>
+            <a:solidFill>
+              <a:srgbClr val="FF0000"/>
+            </a:solidFill>
+          </a:ln>
+        </p:spPr>
+        <p:style>
+          <a:lnRef idx="2">
+            <a:schemeClr val="accent1"/>
+          </a:lnRef>
+          <a:fillRef idx="0">
+            <a:schemeClr val="accent1"/>
+          </a:fillRef>
+          <a:effectRef idx="1">
+            <a:schemeClr val="accent1"/>
+          </a:effectRef>
+          <a:fontRef idx="minor">
+            <a:schemeClr val="tx1"/>
+          </a:fontRef>
+        </p:style>
+      </p:cxnSp>
+      <p:cxnSp>
+        <p:nvCxnSpPr>
+          <p:cNvPr id="9" name="Straight Connector 8">
+            <a:extLst>
+              <a:ext uri="{FF2B5EF4-FFF2-40B4-BE49-F238E27FC236}">
+                <a16:creationId xmlns:a16="http://schemas.microsoft.com/office/drawing/2014/main" id="{6DA9C617-151C-5201-CA12-BB01DD377C31}"/>
+              </a:ext>
+            </a:extLst>
+          </p:cNvPr>
+          <p:cNvCxnSpPr>
+            <a:cxnSpLocks/>
+          </p:cNvCxnSpPr>
+          <p:nvPr/>
+        </p:nvCxnSpPr>
+        <p:spPr>
+          <a:xfrm>
+            <a:off x="2013358" y="2123813"/>
+            <a:ext cx="1778466" cy="0"/>
+          </a:xfrm>
+          <a:prstGeom prst="line">
+            <a:avLst/>
+          </a:prstGeom>
+          <a:ln>
+            <a:solidFill>
+              <a:srgbClr val="FF0000"/>
+            </a:solidFill>
+          </a:ln>
+        </p:spPr>
+        <p:style>
+          <a:lnRef idx="2">
+            <a:schemeClr val="accent1"/>
+          </a:lnRef>
+          <a:fillRef idx="0">
+            <a:schemeClr val="accent1"/>
+          </a:fillRef>
+          <a:effectRef idx="1">
+            <a:schemeClr val="accent1"/>
+          </a:effectRef>
+          <a:fontRef idx="minor">
+            <a:schemeClr val="tx1"/>
+          </a:fontRef>
+        </p:style>
+      </p:cxnSp>
+      <p:cxnSp>
+        <p:nvCxnSpPr>
+          <p:cNvPr id="10" name="Straight Connector 9">
+            <a:extLst>
+              <a:ext uri="{FF2B5EF4-FFF2-40B4-BE49-F238E27FC236}">
+                <a16:creationId xmlns:a16="http://schemas.microsoft.com/office/drawing/2014/main" id="{F37F637E-F51A-8117-6C0C-FDBBCAD75C78}"/>
+              </a:ext>
+            </a:extLst>
+          </p:cNvPr>
+          <p:cNvCxnSpPr>
+            <a:cxnSpLocks/>
+          </p:cNvCxnSpPr>
+          <p:nvPr/>
+        </p:nvCxnSpPr>
+        <p:spPr>
+          <a:xfrm>
+            <a:off x="4035105" y="1595306"/>
+            <a:ext cx="6474903" cy="67113"/>
+          </a:xfrm>
+          <a:prstGeom prst="line">
+            <a:avLst/>
+          </a:prstGeom>
+          <a:ln>
+            <a:solidFill>
+              <a:srgbClr val="FF0000"/>
+            </a:solidFill>
+          </a:ln>
+        </p:spPr>
+        <p:style>
+          <a:lnRef idx="2">
+            <a:schemeClr val="accent1"/>
+          </a:lnRef>
+          <a:fillRef idx="0">
+            <a:schemeClr val="accent1"/>
+          </a:fillRef>
+          <a:effectRef idx="1">
+            <a:schemeClr val="accent1"/>
+          </a:effectRef>
+          <a:fontRef idx="minor">
+            <a:schemeClr val="tx1"/>
+          </a:fontRef>
+        </p:style>
+      </p:cxnSp>
+      <p:cxnSp>
+        <p:nvCxnSpPr>
+          <p:cNvPr id="12" name="Straight Connector 11">
+            <a:extLst>
+              <a:ext uri="{FF2B5EF4-FFF2-40B4-BE49-F238E27FC236}">
+                <a16:creationId xmlns:a16="http://schemas.microsoft.com/office/drawing/2014/main" id="{B483E91D-00BB-020A-86BD-EA5CF234BB8E}"/>
+              </a:ext>
+            </a:extLst>
+          </p:cNvPr>
+          <p:cNvCxnSpPr>
+            <a:cxnSpLocks/>
+          </p:cNvCxnSpPr>
+          <p:nvPr/>
+        </p:nvCxnSpPr>
+        <p:spPr>
+          <a:xfrm>
+            <a:off x="4035105" y="2997666"/>
+            <a:ext cx="6474903" cy="67113"/>
+          </a:xfrm>
+          <a:prstGeom prst="line">
+            <a:avLst/>
+          </a:prstGeom>
+          <a:ln>
+            <a:solidFill>
+              <a:srgbClr val="FF0000"/>
+            </a:solidFill>
+          </a:ln>
+        </p:spPr>
+        <p:style>
+          <a:lnRef idx="2">
+            <a:schemeClr val="accent1"/>
+          </a:lnRef>
+          <a:fillRef idx="0">
+            <a:schemeClr val="accent1"/>
+          </a:fillRef>
+          <a:effectRef idx="1">
+            <a:schemeClr val="accent1"/>
+          </a:effectRef>
+          <a:fontRef idx="minor">
+            <a:schemeClr val="tx1"/>
+          </a:fontRef>
+        </p:style>
+      </p:cxnSp>
+      <p:cxnSp>
+        <p:nvCxnSpPr>
+          <p:cNvPr id="13" name="Straight Connector 12">
+            <a:extLst>
+              <a:ext uri="{FF2B5EF4-FFF2-40B4-BE49-F238E27FC236}">
+                <a16:creationId xmlns:a16="http://schemas.microsoft.com/office/drawing/2014/main" id="{79A72D6B-1D05-D5E4-998E-8F5D04A6EF49}"/>
+              </a:ext>
+            </a:extLst>
+          </p:cNvPr>
+          <p:cNvCxnSpPr>
+            <a:cxnSpLocks/>
+          </p:cNvCxnSpPr>
+          <p:nvPr/>
+        </p:nvCxnSpPr>
+        <p:spPr>
+          <a:xfrm>
+            <a:off x="4035105" y="4503010"/>
+            <a:ext cx="6474903" cy="67113"/>
+          </a:xfrm>
+          <a:prstGeom prst="line">
+            <a:avLst/>
+          </a:prstGeom>
+          <a:ln>
+            <a:solidFill>
+              <a:srgbClr val="FF0000"/>
+            </a:solidFill>
+          </a:ln>
+        </p:spPr>
+        <p:style>
+          <a:lnRef idx="2">
+            <a:schemeClr val="accent1"/>
+          </a:lnRef>
+          <a:fillRef idx="0">
+            <a:schemeClr val="accent1"/>
+          </a:fillRef>
+          <a:effectRef idx="1">
+            <a:schemeClr val="accent1"/>
+          </a:effectRef>
+          <a:fontRef idx="minor">
+            <a:schemeClr val="tx1"/>
+          </a:fontRef>
+        </p:style>
+      </p:cxnSp>
+      <p:cxnSp>
+        <p:nvCxnSpPr>
+          <p:cNvPr id="14" name="Straight Connector 13">
+            <a:extLst>
+              <a:ext uri="{FF2B5EF4-FFF2-40B4-BE49-F238E27FC236}">
+                <a16:creationId xmlns:a16="http://schemas.microsoft.com/office/drawing/2014/main" id="{9370391C-B2AE-71F8-8354-88B42BFC438D}"/>
+              </a:ext>
+            </a:extLst>
+          </p:cNvPr>
+          <p:cNvCxnSpPr>
+            <a:cxnSpLocks/>
+          </p:cNvCxnSpPr>
+          <p:nvPr/>
+        </p:nvCxnSpPr>
+        <p:spPr>
+          <a:xfrm>
+            <a:off x="6825143" y="1822986"/>
+            <a:ext cx="0" cy="1107566"/>
+          </a:xfrm>
+          <a:prstGeom prst="line">
+            <a:avLst/>
+          </a:prstGeom>
+          <a:ln>
+            <a:solidFill>
+              <a:srgbClr val="FF0000"/>
+            </a:solidFill>
+          </a:ln>
+        </p:spPr>
+        <p:style>
+          <a:lnRef idx="2">
+            <a:schemeClr val="accent1"/>
+          </a:lnRef>
+          <a:fillRef idx="0">
+            <a:schemeClr val="accent1"/>
+          </a:fillRef>
+          <a:effectRef idx="1">
+            <a:schemeClr val="accent1"/>
+          </a:effectRef>
+          <a:fontRef idx="minor">
+            <a:schemeClr val="tx1"/>
+          </a:fontRef>
+        </p:style>
+      </p:cxnSp>
     </p:spTree>
     <p:extLst>
       <p:ext uri="{BB962C8B-B14F-4D97-AF65-F5344CB8AC3E}">
@@ -5108,56 +5400,360 @@
           <a:chExt cx="0" cy="0"/>
         </a:xfrm>
       </p:grpSpPr>
-      <p:sp>
-        <p:nvSpPr>
-          <p:cNvPr id="2" name="Title 1">
-            <a:extLst>
-              <a:ext uri="{FF2B5EF4-FFF2-40B4-BE49-F238E27FC236}">
-                <a16:creationId xmlns:a16="http://schemas.microsoft.com/office/drawing/2014/main" id="{7C01D02A-C7B2-CCED-6847-A9A903DEBA8B}"/>
-              </a:ext>
-            </a:extLst>
-          </p:cNvPr>
-          <p:cNvSpPr>
-            <a:spLocks noGrp="1"/>
-          </p:cNvSpPr>
-          <p:nvPr>
-            <p:ph type="title"/>
-          </p:nvPr>
-        </p:nvSpPr>
-        <p:spPr/>
-        <p:txBody>
-          <a:bodyPr/>
-          <a:lstStyle/>
-          <a:p>
-            <a:endParaRPr lang="en-PT"/>
-          </a:p>
-        </p:txBody>
-      </p:sp>
-      <p:sp>
-        <p:nvSpPr>
-          <p:cNvPr id="3" name="Content Placeholder 2">
-            <a:extLst>
-              <a:ext uri="{FF2B5EF4-FFF2-40B4-BE49-F238E27FC236}">
-                <a16:creationId xmlns:a16="http://schemas.microsoft.com/office/drawing/2014/main" id="{43042282-ABE2-5441-16EC-6040A4068A42}"/>
-              </a:ext>
-            </a:extLst>
-          </p:cNvPr>
-          <p:cNvSpPr>
-            <a:spLocks noGrp="1"/>
-          </p:cNvSpPr>
-          <p:nvPr>
-            <p:ph idx="1"/>
-          </p:nvPr>
-        </p:nvSpPr>
-        <p:spPr/>
-        <p:txBody>
-          <a:bodyPr/>
-          <a:lstStyle/>
-          <a:p>
-            <a:endParaRPr lang="en-PT"/>
-          </a:p>
-        </p:txBody>
-      </p:sp>
+      <p:pic>
+        <p:nvPicPr>
+          <p:cNvPr id="4" name="Picture 3">
+            <a:extLst>
+              <a:ext uri="{FF2B5EF4-FFF2-40B4-BE49-F238E27FC236}">
+                <a16:creationId xmlns:a16="http://schemas.microsoft.com/office/drawing/2014/main" id="{399E07DF-249F-70D4-BC44-CFCAE84CAFF6}"/>
+              </a:ext>
+            </a:extLst>
+          </p:cNvPr>
+          <p:cNvPicPr>
+            <a:picLocks noChangeAspect="1"/>
+          </p:cNvPicPr>
+          <p:nvPr/>
+        </p:nvPicPr>
+        <p:blipFill>
+          <a:blip r:embed="rId2"/>
+          <a:stretch>
+            <a:fillRect/>
+          </a:stretch>
+        </p:blipFill>
+        <p:spPr>
+          <a:xfrm>
+            <a:off x="-1" y="-1"/>
+            <a:ext cx="11459183" cy="6509451"/>
+          </a:xfrm>
+          <a:prstGeom prst="rect">
+            <a:avLst/>
+          </a:prstGeom>
+        </p:spPr>
+      </p:pic>
+      <p:cxnSp>
+        <p:nvCxnSpPr>
+          <p:cNvPr id="6" name="Straight Connector 5">
+            <a:extLst>
+              <a:ext uri="{FF2B5EF4-FFF2-40B4-BE49-F238E27FC236}">
+                <a16:creationId xmlns:a16="http://schemas.microsoft.com/office/drawing/2014/main" id="{7FE8BF98-20C0-CA77-7844-93AF85BC6E82}"/>
+              </a:ext>
+            </a:extLst>
+          </p:cNvPr>
+          <p:cNvCxnSpPr/>
+          <p:nvPr/>
+        </p:nvCxnSpPr>
+        <p:spPr>
+          <a:xfrm flipH="1">
+            <a:off x="-510988" y="2142565"/>
+            <a:ext cx="12469906" cy="0"/>
+          </a:xfrm>
+          <a:prstGeom prst="line">
+            <a:avLst/>
+          </a:prstGeom>
+        </p:spPr>
+        <p:style>
+          <a:lnRef idx="2">
+            <a:schemeClr val="accent1"/>
+          </a:lnRef>
+          <a:fillRef idx="0">
+            <a:schemeClr val="accent1"/>
+          </a:fillRef>
+          <a:effectRef idx="1">
+            <a:schemeClr val="accent1"/>
+          </a:effectRef>
+          <a:fontRef idx="minor">
+            <a:schemeClr val="tx1"/>
+          </a:fontRef>
+        </p:style>
+      </p:cxnSp>
+      <p:cxnSp>
+        <p:nvCxnSpPr>
+          <p:cNvPr id="7" name="Straight Connector 6">
+            <a:extLst>
+              <a:ext uri="{FF2B5EF4-FFF2-40B4-BE49-F238E27FC236}">
+                <a16:creationId xmlns:a16="http://schemas.microsoft.com/office/drawing/2014/main" id="{D7F179C1-ED3C-C734-8134-6407F77A1006}"/>
+              </a:ext>
+            </a:extLst>
+          </p:cNvPr>
+          <p:cNvCxnSpPr/>
+          <p:nvPr/>
+        </p:nvCxnSpPr>
+        <p:spPr>
+          <a:xfrm flipH="1">
+            <a:off x="-593479" y="4434158"/>
+            <a:ext cx="12469906" cy="0"/>
+          </a:xfrm>
+          <a:prstGeom prst="line">
+            <a:avLst/>
+          </a:prstGeom>
+        </p:spPr>
+        <p:style>
+          <a:lnRef idx="2">
+            <a:schemeClr val="accent1"/>
+          </a:lnRef>
+          <a:fillRef idx="0">
+            <a:schemeClr val="accent1"/>
+          </a:fillRef>
+          <a:effectRef idx="1">
+            <a:schemeClr val="accent1"/>
+          </a:effectRef>
+          <a:fontRef idx="minor">
+            <a:schemeClr val="tx1"/>
+          </a:fontRef>
+        </p:style>
+      </p:cxnSp>
+      <p:cxnSp>
+        <p:nvCxnSpPr>
+          <p:cNvPr id="9" name="Straight Connector 8">
+            <a:extLst>
+              <a:ext uri="{FF2B5EF4-FFF2-40B4-BE49-F238E27FC236}">
+                <a16:creationId xmlns:a16="http://schemas.microsoft.com/office/drawing/2014/main" id="{B5B3BE41-87AD-A31F-C28B-CC77B00EDB26}"/>
+              </a:ext>
+            </a:extLst>
+          </p:cNvPr>
+          <p:cNvCxnSpPr/>
+          <p:nvPr/>
+        </p:nvCxnSpPr>
+        <p:spPr>
+          <a:xfrm>
+            <a:off x="4647501" y="0"/>
+            <a:ext cx="0" cy="1912690"/>
+          </a:xfrm>
+          <a:prstGeom prst="line">
+            <a:avLst/>
+          </a:prstGeom>
+        </p:spPr>
+        <p:style>
+          <a:lnRef idx="2">
+            <a:schemeClr val="accent1"/>
+          </a:lnRef>
+          <a:fillRef idx="0">
+            <a:schemeClr val="accent1"/>
+          </a:fillRef>
+          <a:effectRef idx="1">
+            <a:schemeClr val="accent1"/>
+          </a:effectRef>
+          <a:fontRef idx="minor">
+            <a:schemeClr val="tx1"/>
+          </a:fontRef>
+        </p:style>
+      </p:cxnSp>
+      <p:cxnSp>
+        <p:nvCxnSpPr>
+          <p:cNvPr id="10" name="Straight Connector 9">
+            <a:extLst>
+              <a:ext uri="{FF2B5EF4-FFF2-40B4-BE49-F238E27FC236}">
+                <a16:creationId xmlns:a16="http://schemas.microsoft.com/office/drawing/2014/main" id="{F043842D-1DE9-5929-8EAA-CE1F3900C8DB}"/>
+              </a:ext>
+            </a:extLst>
+          </p:cNvPr>
+          <p:cNvCxnSpPr/>
+          <p:nvPr/>
+        </p:nvCxnSpPr>
+        <p:spPr>
+          <a:xfrm>
+            <a:off x="6955871" y="-1"/>
+            <a:ext cx="0" cy="1912690"/>
+          </a:xfrm>
+          <a:prstGeom prst="line">
+            <a:avLst/>
+          </a:prstGeom>
+        </p:spPr>
+        <p:style>
+          <a:lnRef idx="2">
+            <a:schemeClr val="accent1"/>
+          </a:lnRef>
+          <a:fillRef idx="0">
+            <a:schemeClr val="accent1"/>
+          </a:fillRef>
+          <a:effectRef idx="1">
+            <a:schemeClr val="accent1"/>
+          </a:effectRef>
+          <a:fontRef idx="minor">
+            <a:schemeClr val="tx1"/>
+          </a:fontRef>
+        </p:style>
+      </p:cxnSp>
+      <p:cxnSp>
+        <p:nvCxnSpPr>
+          <p:cNvPr id="11" name="Straight Connector 10">
+            <a:extLst>
+              <a:ext uri="{FF2B5EF4-FFF2-40B4-BE49-F238E27FC236}">
+                <a16:creationId xmlns:a16="http://schemas.microsoft.com/office/drawing/2014/main" id="{1B7ED586-2FD2-9DF4-B063-A512B65EEE27}"/>
+              </a:ext>
+            </a:extLst>
+          </p:cNvPr>
+          <p:cNvCxnSpPr/>
+          <p:nvPr/>
+        </p:nvCxnSpPr>
+        <p:spPr>
+          <a:xfrm>
+            <a:off x="9212510" y="0"/>
+            <a:ext cx="0" cy="1912690"/>
+          </a:xfrm>
+          <a:prstGeom prst="line">
+            <a:avLst/>
+          </a:prstGeom>
+        </p:spPr>
+        <p:style>
+          <a:lnRef idx="2">
+            <a:schemeClr val="accent1"/>
+          </a:lnRef>
+          <a:fillRef idx="0">
+            <a:schemeClr val="accent1"/>
+          </a:fillRef>
+          <a:effectRef idx="1">
+            <a:schemeClr val="accent1"/>
+          </a:effectRef>
+          <a:fontRef idx="minor">
+            <a:schemeClr val="tx1"/>
+          </a:fontRef>
+        </p:style>
+      </p:cxnSp>
+      <p:cxnSp>
+        <p:nvCxnSpPr>
+          <p:cNvPr id="12" name="Straight Connector 11">
+            <a:extLst>
+              <a:ext uri="{FF2B5EF4-FFF2-40B4-BE49-F238E27FC236}">
+                <a16:creationId xmlns:a16="http://schemas.microsoft.com/office/drawing/2014/main" id="{53FAA3D6-2E34-2287-7C08-554EFBB69A1D}"/>
+              </a:ext>
+            </a:extLst>
+          </p:cNvPr>
+          <p:cNvCxnSpPr/>
+          <p:nvPr/>
+        </p:nvCxnSpPr>
+        <p:spPr>
+          <a:xfrm>
+            <a:off x="4791512" y="2367093"/>
+            <a:ext cx="0" cy="1912690"/>
+          </a:xfrm>
+          <a:prstGeom prst="line">
+            <a:avLst/>
+          </a:prstGeom>
+        </p:spPr>
+        <p:style>
+          <a:lnRef idx="2">
+            <a:schemeClr val="accent1"/>
+          </a:lnRef>
+          <a:fillRef idx="0">
+            <a:schemeClr val="accent1"/>
+          </a:fillRef>
+          <a:effectRef idx="1">
+            <a:schemeClr val="accent1"/>
+          </a:effectRef>
+          <a:fontRef idx="minor">
+            <a:schemeClr val="tx1"/>
+          </a:fontRef>
+        </p:style>
+      </p:cxnSp>
+      <p:cxnSp>
+        <p:nvCxnSpPr>
+          <p:cNvPr id="13" name="Straight Connector 12">
+            <a:extLst>
+              <a:ext uri="{FF2B5EF4-FFF2-40B4-BE49-F238E27FC236}">
+                <a16:creationId xmlns:a16="http://schemas.microsoft.com/office/drawing/2014/main" id="{F2A5E2F9-266C-735A-911C-78F8AF554116}"/>
+              </a:ext>
+            </a:extLst>
+          </p:cNvPr>
+          <p:cNvCxnSpPr/>
+          <p:nvPr/>
+        </p:nvCxnSpPr>
+        <p:spPr>
+          <a:xfrm>
+            <a:off x="7048150" y="2274815"/>
+            <a:ext cx="0" cy="1912690"/>
+          </a:xfrm>
+          <a:prstGeom prst="line">
+            <a:avLst/>
+          </a:prstGeom>
+        </p:spPr>
+        <p:style>
+          <a:lnRef idx="2">
+            <a:schemeClr val="accent1"/>
+          </a:lnRef>
+          <a:fillRef idx="0">
+            <a:schemeClr val="accent1"/>
+          </a:fillRef>
+          <a:effectRef idx="1">
+            <a:schemeClr val="accent1"/>
+          </a:effectRef>
+          <a:fontRef idx="minor">
+            <a:schemeClr val="tx1"/>
+          </a:fontRef>
+        </p:style>
+      </p:cxnSp>
+      <p:cxnSp>
+        <p:nvCxnSpPr>
+          <p:cNvPr id="14" name="Straight Connector 13">
+            <a:extLst>
+              <a:ext uri="{FF2B5EF4-FFF2-40B4-BE49-F238E27FC236}">
+                <a16:creationId xmlns:a16="http://schemas.microsoft.com/office/drawing/2014/main" id="{894CA1B0-38B3-80F9-6CD9-DAEC409EC337}"/>
+              </a:ext>
+            </a:extLst>
+          </p:cNvPr>
+          <p:cNvCxnSpPr/>
+          <p:nvPr/>
+        </p:nvCxnSpPr>
+        <p:spPr>
+          <a:xfrm>
+            <a:off x="9371901" y="2367093"/>
+            <a:ext cx="0" cy="1912690"/>
+          </a:xfrm>
+          <a:prstGeom prst="line">
+            <a:avLst/>
+          </a:prstGeom>
+        </p:spPr>
+        <p:style>
+          <a:lnRef idx="2">
+            <a:schemeClr val="accent1"/>
+          </a:lnRef>
+          <a:fillRef idx="0">
+            <a:schemeClr val="accent1"/>
+          </a:fillRef>
+          <a:effectRef idx="1">
+            <a:schemeClr val="accent1"/>
+          </a:effectRef>
+          <a:fontRef idx="minor">
+            <a:schemeClr val="tx1"/>
+          </a:fontRef>
+        </p:style>
+      </p:cxnSp>
+      <p:cxnSp>
+        <p:nvCxnSpPr>
+          <p:cNvPr id="15" name="Straight Connector 14">
+            <a:extLst>
+              <a:ext uri="{FF2B5EF4-FFF2-40B4-BE49-F238E27FC236}">
+                <a16:creationId xmlns:a16="http://schemas.microsoft.com/office/drawing/2014/main" id="{C3E1D6A4-BA31-7C90-EC32-9E715DE0CB15}"/>
+              </a:ext>
+            </a:extLst>
+          </p:cNvPr>
+          <p:cNvCxnSpPr/>
+          <p:nvPr/>
+        </p:nvCxnSpPr>
+        <p:spPr>
+          <a:xfrm>
+            <a:off x="2073479" y="4434158"/>
+            <a:ext cx="0" cy="1912690"/>
+          </a:xfrm>
+          <a:prstGeom prst="line">
+            <a:avLst/>
+          </a:prstGeom>
+        </p:spPr>
+        <p:style>
+          <a:lnRef idx="2">
+            <a:schemeClr val="accent1"/>
+          </a:lnRef>
+          <a:fillRef idx="0">
+            <a:schemeClr val="accent1"/>
+          </a:fillRef>
+          <a:effectRef idx="1">
+            <a:schemeClr val="accent1"/>
+          </a:effectRef>
+          <a:fontRef idx="minor">
+            <a:schemeClr val="tx1"/>
+          </a:fontRef>
+        </p:style>
+      </p:cxnSp>
     </p:spTree>
     <p:extLst>
       <p:ext uri="{BB962C8B-B14F-4D97-AF65-F5344CB8AC3E}">
